--- a/Group5_Design-Presentation-2.pptx
+++ b/Group5_Design-Presentation-2.pptx
@@ -224,6 +224,11 @@
       </a:defRPr>
     </a:lvl9pPr>
   </p:defaultTextStyle>
+  <p:extLst>
+    <p:ext uri="{EFAFB233-063F-42B5-8137-9DF3F51BA10A}">
+      <p15:sldGuideLst xmlns:p15="http://schemas.microsoft.com/office/powerpoint/2012/main"/>
+    </p:ext>
+  </p:extLst>
 </p:presentation>
 </file>
 
@@ -1439,7 +1444,7 @@
         </p:nvSpPr>
         <p:spPr>
           <a:xfrm>
-            <a:off x="381300" y="685800"/>
+            <a:off x="381000" y="685800"/>
             <a:ext cx="6096000" cy="3429000"/>
           </a:xfrm>
           <a:custGeom>
@@ -6835,7 +6840,7 @@
               <a:buNone/>
             </a:pPr>
             <a:r>
-              <a:rPr lang="en" sz="2400">
+              <a:rPr lang="en" sz="2800" dirty="0">
                 <a:solidFill>
                   <a:srgbClr val="FFFFFF"/>
                 </a:solidFill>
@@ -6861,7 +6866,7 @@
               <a:buNone/>
             </a:pPr>
             <a:r>
-              <a:rPr lang="en" sz="2400">
+              <a:rPr lang="en" sz="2800" dirty="0">
                 <a:solidFill>
                   <a:srgbClr val="FFFFFF"/>
                 </a:solidFill>
@@ -6887,7 +6892,7 @@
               <a:buNone/>
             </a:pPr>
             <a:r>
-              <a:rPr lang="en" sz="2400">
+              <a:rPr lang="en" sz="2800" dirty="0">
                 <a:solidFill>
                   <a:srgbClr val="FFFFFF"/>
                 </a:solidFill>
@@ -6913,7 +6918,7 @@
               <a:buNone/>
             </a:pPr>
             <a:r>
-              <a:rPr lang="en" sz="2400">
+              <a:rPr lang="en" sz="2800" dirty="0" smtClean="0">
                 <a:solidFill>
                   <a:srgbClr val="FFFFFF"/>
                 </a:solidFill>
@@ -6922,7 +6927,19 @@
                 <a:cs typeface="Oswald"/>
                 <a:sym typeface="Oswald"/>
               </a:rPr>
-              <a:t>•Define subsystems making up each component: Operations, Score</a:t>
+              <a:t>•subsystem </a:t>
+            </a:r>
+            <a:r>
+              <a:rPr lang="en" sz="2800" dirty="0">
+                <a:solidFill>
+                  <a:srgbClr val="FFFFFF"/>
+                </a:solidFill>
+                <a:latin typeface="Oswald"/>
+                <a:ea typeface="Oswald"/>
+                <a:cs typeface="Oswald"/>
+                <a:sym typeface="Oswald"/>
+              </a:rPr>
+              <a:t>making up each component: Operations, Score</a:t>
             </a:r>
           </a:p>
           <a:p>
@@ -6939,7 +6956,7 @@
               <a:buNone/>
             </a:pPr>
             <a:r>
-              <a:rPr lang="en" sz="2400">
+              <a:rPr lang="en" sz="2800" dirty="0">
                 <a:solidFill>
                   <a:srgbClr val="FFFFFF"/>
                 </a:solidFill>
@@ -6964,7 +6981,7 @@
               </a:spcAft>
               <a:buNone/>
             </a:pPr>
-            <a:endParaRPr sz="2400">
+            <a:endParaRPr sz="2800" dirty="0">
               <a:solidFill>
                 <a:srgbClr val="FFFFFF"/>
               </a:solidFill>
@@ -6987,7 +7004,7 @@
               </a:spcAft>
               <a:buNone/>
             </a:pPr>
-            <a:endParaRPr sz="2400">
+            <a:endParaRPr sz="2800" dirty="0">
               <a:solidFill>
                 <a:srgbClr val="FFFFFF"/>
               </a:solidFill>
@@ -7004,7 +7021,7 @@
               </a:spcBef>
               <a:buNone/>
             </a:pPr>
-            <a:endParaRPr sz="2400">
+            <a:endParaRPr sz="2800" dirty="0">
               <a:solidFill>
                 <a:srgbClr val="FFFFFF"/>
               </a:solidFill>
